--- a/lectures/lecture_13/Lecture_13_Modeling_Case_Study.pptx
+++ b/lectures/lecture_13/Lecture_13_Modeling_Case_Study.pptx
@@ -5,10 +5,10 @@
     <p:sldMasterId id="2147483648" r:id="rId1"/>
   </p:sldMasterIdLst>
   <p:notesMasterIdLst>
-    <p:notesMasterId r:id="rId12"/>
+    <p:notesMasterId r:id="rId9"/>
   </p:notesMasterIdLst>
   <p:handoutMasterIdLst>
-    <p:handoutMasterId r:id="rId13"/>
+    <p:handoutMasterId r:id="rId10"/>
   </p:handoutMasterIdLst>
   <p:sldIdLst>
     <p:sldId id="347" r:id="rId2"/>
@@ -18,9 +18,6 @@
     <p:sldId id="366" r:id="rId6"/>
     <p:sldId id="367" r:id="rId7"/>
     <p:sldId id="368" r:id="rId8"/>
-    <p:sldId id="369" r:id="rId9"/>
-    <p:sldId id="370" r:id="rId10"/>
-    <p:sldId id="371" r:id="rId11"/>
   </p:sldIdLst>
   <p:sldSz cx="9144000" cy="6858000" type="screen4x3"/>
   <p:notesSz cx="6858000" cy="9144000"/>
@@ -161,9 +158,6 @@
             <p14:sldId id="366"/>
             <p14:sldId id="367"/>
             <p14:sldId id="368"/>
-            <p14:sldId id="369"/>
-            <p14:sldId id="370"/>
-            <p14:sldId id="371"/>
           </p14:sldIdLst>
         </p14:section>
       </p14:sectionLst>
@@ -4948,7 +4942,7 @@
               <a:rPr lang="en-US" altLang="en-US" sz="2800" b="1" u="sng" dirty="0">
                 <a:ea typeface="ＭＳ Ｐゴシック" panose="020B0600070205080204" pitchFamily="34" charset="-128"/>
               </a:rPr>
-              <a:t>Lecture 13: Modeling Case Study</a:t>
+              <a:t>Lecture 13: Modeling Case Study - MAPK</a:t>
             </a:r>
             <a:br>
               <a:rPr lang="en-US" altLang="en-US" b="1" dirty="0">
@@ -5053,124 +5047,6 @@
     <p:extLst>
       <p:ext uri="{BB962C8B-B14F-4D97-AF65-F5344CB8AC3E}">
         <p14:creationId xmlns:p14="http://schemas.microsoft.com/office/powerpoint/2010/main" val="1288863208"/>
-      </p:ext>
-    </p:extLst>
-  </p:cSld>
-  <p:clrMapOvr>
-    <a:masterClrMapping/>
-  </p:clrMapOvr>
-</p:sld>
-</file>
-
-<file path=ppt/slides/slide10.xml><?xml version="1.0" encoding="utf-8"?>
-<p:sld xmlns:a="http://schemas.openxmlformats.org/drawingml/2006/main" xmlns:r="http://schemas.openxmlformats.org/officeDocument/2006/relationships" xmlns:p="http://schemas.openxmlformats.org/presentationml/2006/main">
-  <p:cSld>
-    <p:spTree>
-      <p:nvGrpSpPr>
-        <p:cNvPr id="1" name=""/>
-        <p:cNvGrpSpPr/>
-        <p:nvPr/>
-      </p:nvGrpSpPr>
-      <p:grpSpPr>
-        <a:xfrm>
-          <a:off x="0" y="0"/>
-          <a:ext cx="0" cy="0"/>
-          <a:chOff x="0" y="0"/>
-          <a:chExt cx="0" cy="0"/>
-        </a:xfrm>
-      </p:grpSpPr>
-      <p:sp>
-        <p:nvSpPr>
-          <p:cNvPr id="2" name="Title 1">
-            <a:extLst>
-              <a:ext uri="{FF2B5EF4-FFF2-40B4-BE49-F238E27FC236}">
-                <a16:creationId xmlns:a16="http://schemas.microsoft.com/office/drawing/2014/main" id="{5FD6FAF2-F094-9E4A-BF2C-A5251A72D4B8}"/>
-              </a:ext>
-            </a:extLst>
-          </p:cNvPr>
-          <p:cNvSpPr>
-            <a:spLocks noGrp="1"/>
-          </p:cNvSpPr>
-          <p:nvPr>
-            <p:ph type="title"/>
-          </p:nvPr>
-        </p:nvSpPr>
-        <p:spPr/>
-        <p:txBody>
-          <a:bodyPr/>
-          <a:lstStyle/>
-          <a:p>
-            <a:r>
-              <a:rPr lang="en-US" dirty="0"/>
-              <a:t>Evaluation Parameter Estimation</a:t>
-            </a:r>
-          </a:p>
-        </p:txBody>
-      </p:sp>
-      <p:sp>
-        <p:nvSpPr>
-          <p:cNvPr id="3" name="Content Placeholder 2">
-            <a:extLst>
-              <a:ext uri="{FF2B5EF4-FFF2-40B4-BE49-F238E27FC236}">
-                <a16:creationId xmlns:a16="http://schemas.microsoft.com/office/drawing/2014/main" id="{E9B59A06-CE68-E342-BE82-1A044324D750}"/>
-              </a:ext>
-            </a:extLst>
-          </p:cNvPr>
-          <p:cNvSpPr>
-            <a:spLocks noGrp="1"/>
-          </p:cNvSpPr>
-          <p:nvPr>
-            <p:ph idx="1"/>
-          </p:nvPr>
-        </p:nvSpPr>
-        <p:spPr/>
-        <p:txBody>
-          <a:bodyPr/>
-          <a:lstStyle/>
-          <a:p>
-            <a:endParaRPr lang="en-US"/>
-          </a:p>
-        </p:txBody>
-      </p:sp>
-      <p:sp>
-        <p:nvSpPr>
-          <p:cNvPr id="4" name="Slide Number Placeholder 3">
-            <a:extLst>
-              <a:ext uri="{FF2B5EF4-FFF2-40B4-BE49-F238E27FC236}">
-                <a16:creationId xmlns:a16="http://schemas.microsoft.com/office/drawing/2014/main" id="{2204477C-DDD4-0C48-A1BF-5E860DD9343C}"/>
-              </a:ext>
-            </a:extLst>
-          </p:cNvPr>
-          <p:cNvSpPr>
-            <a:spLocks noGrp="1"/>
-          </p:cNvSpPr>
-          <p:nvPr>
-            <p:ph type="sldNum" sz="quarter" idx="11"/>
-          </p:nvPr>
-        </p:nvSpPr>
-        <p:spPr/>
-        <p:txBody>
-          <a:bodyPr/>
-          <a:lstStyle/>
-          <a:p>
-            <a:pPr>
-              <a:defRPr/>
-            </a:pPr>
-            <a:fld id="{3EF4E9CC-9D91-476E-91FD-5BEEC1642931}" type="slidenum">
-              <a:rPr lang="en-US" altLang="x-none" smtClean="0"/>
-              <a:pPr>
-                <a:defRPr/>
-              </a:pPr>
-              <a:t>10</a:t>
-            </a:fld>
-            <a:endParaRPr lang="en-US" altLang="x-none"/>
-          </a:p>
-        </p:txBody>
-      </p:sp>
-    </p:spTree>
-    <p:extLst>
-      <p:ext uri="{BB962C8B-B14F-4D97-AF65-F5344CB8AC3E}">
-        <p14:creationId xmlns:p14="http://schemas.microsoft.com/office/powerpoint/2010/main" val="1857781738"/>
       </p:ext>
     </p:extLst>
   </p:cSld>
@@ -5371,8 +5247,8 @@
           <a:lstStyle/>
           <a:p>
             <a:r>
-              <a:rPr lang="en-US" dirty="0"/>
-              <a:t>Why MAPK Cascade?</a:t>
+              <a:rPr lang="en-US" sz="3600" dirty="0"/>
+              <a:t>Why Mitogen Activated Protein Kinase (MAPK) Cascade?</a:t>
             </a:r>
           </a:p>
         </p:txBody>
@@ -5393,7 +5269,12 @@
             <p:ph idx="1"/>
           </p:nvPr>
         </p:nvSpPr>
-        <p:spPr/>
+        <p:spPr>
+          <a:xfrm>
+            <a:off x="457200" y="1752599"/>
+            <a:ext cx="8229600" cy="4572001"/>
+          </a:xfrm>
+        </p:spPr>
         <p:txBody>
           <a:bodyPr/>
           <a:lstStyle/>
@@ -5428,6 +5309,29 @@
             <a:r>
               <a:rPr lang="en-US" dirty="0"/>
               <a:t>Each individual level is a two-site phosphorylation required for full activation and dephosphorylation</a:t>
+            </a:r>
+          </a:p>
+          <a:p>
+            <a:pPr lvl="1"/>
+            <a:endParaRPr lang="en-US" dirty="0"/>
+          </a:p>
+          <a:p>
+            <a:pPr marL="457200" lvl="1" indent="0">
+              <a:buNone/>
+            </a:pPr>
+            <a:r>
+              <a:rPr lang="en-US" dirty="0"/>
+              <a:t>Referenced paper (</a:t>
+            </a:r>
+            <a:r>
+              <a:rPr lang="en-US" dirty="0">
+                <a:hlinkClick r:id="rId2"/>
+              </a:rPr>
+              <a:t>link</a:t>
+            </a:r>
+            <a:r>
+              <a:rPr lang="en-US" dirty="0"/>
+              <a:t>)</a:t>
             </a:r>
           </a:p>
         </p:txBody>
@@ -5949,8 +5853,8 @@
         </p:blipFill>
         <p:spPr>
           <a:xfrm>
-            <a:off x="3624157" y="3438939"/>
-            <a:ext cx="4453043" cy="2990850"/>
+            <a:off x="4403532" y="3962399"/>
+            <a:ext cx="3673668" cy="2467389"/>
           </a:xfrm>
           <a:prstGeom prst="rect">
             <a:avLst/>
@@ -5997,6 +5901,81 @@
   <p:clrMapOvr>
     <a:masterClrMapping/>
   </p:clrMapOvr>
+  <p:timing>
+    <p:tnLst>
+      <p:par>
+        <p:cTn id="1" dur="indefinite" restart="never" nodeType="tmRoot">
+          <p:childTnLst>
+            <p:seq concurrent="1" nextAc="seek">
+              <p:cTn id="2" dur="indefinite" nodeType="mainSeq">
+                <p:childTnLst>
+                  <p:par>
+                    <p:cTn id="3" fill="hold">
+                      <p:stCondLst>
+                        <p:cond delay="indefinite"/>
+                      </p:stCondLst>
+                      <p:childTnLst>
+                        <p:par>
+                          <p:cTn id="4" fill="hold">
+                            <p:stCondLst>
+                              <p:cond delay="0"/>
+                            </p:stCondLst>
+                            <p:childTnLst>
+                              <p:par>
+                                <p:cTn id="5" presetID="1" presetClass="entr" presetSubtype="0" fill="hold" nodeType="clickEffect">
+                                  <p:stCondLst>
+                                    <p:cond delay="0"/>
+                                  </p:stCondLst>
+                                  <p:childTnLst>
+                                    <p:set>
+                                      <p:cBhvr>
+                                        <p:cTn id="6" dur="1" fill="hold">
+                                          <p:stCondLst>
+                                            <p:cond delay="0"/>
+                                          </p:stCondLst>
+                                        </p:cTn>
+                                        <p:tgtEl>
+                                          <p:spTgt spid="6"/>
+                                        </p:tgtEl>
+                                        <p:attrNameLst>
+                                          <p:attrName>style.visibility</p:attrName>
+                                        </p:attrNameLst>
+                                      </p:cBhvr>
+                                      <p:to>
+                                        <p:strVal val="visible"/>
+                                      </p:to>
+                                    </p:set>
+                                  </p:childTnLst>
+                                </p:cTn>
+                              </p:par>
+                            </p:childTnLst>
+                          </p:cTn>
+                        </p:par>
+                      </p:childTnLst>
+                    </p:cTn>
+                  </p:par>
+                </p:childTnLst>
+              </p:cTn>
+              <p:prevCondLst>
+                <p:cond evt="onPrev" delay="0">
+                  <p:tgtEl>
+                    <p:sldTgt/>
+                  </p:tgtEl>
+                </p:cond>
+              </p:prevCondLst>
+              <p:nextCondLst>
+                <p:cond evt="onNext" delay="0">
+                  <p:tgtEl>
+                    <p:sldTgt/>
+                  </p:tgtEl>
+                </p:cond>
+              </p:nextCondLst>
+            </p:seq>
+          </p:childTnLst>
+        </p:cTn>
+      </p:par>
+    </p:tnLst>
+  </p:timing>
 </p:sld>
 </file>
 
@@ -6295,403 +6274,6 @@
     <p:extLst>
       <p:ext uri="{BB962C8B-B14F-4D97-AF65-F5344CB8AC3E}">
         <p14:creationId xmlns:p14="http://schemas.microsoft.com/office/powerpoint/2010/main" val="1979131629"/>
-      </p:ext>
-    </p:extLst>
-  </p:cSld>
-  <p:clrMapOvr>
-    <a:masterClrMapping/>
-  </p:clrMapOvr>
-</p:sld>
-</file>
-
-<file path=ppt/slides/slide8.xml><?xml version="1.0" encoding="utf-8"?>
-<p:sld xmlns:a="http://schemas.openxmlformats.org/drawingml/2006/main" xmlns:r="http://schemas.openxmlformats.org/officeDocument/2006/relationships" xmlns:p="http://schemas.openxmlformats.org/presentationml/2006/main">
-  <p:cSld>
-    <p:spTree>
-      <p:nvGrpSpPr>
-        <p:cNvPr id="1" name=""/>
-        <p:cNvGrpSpPr/>
-        <p:nvPr/>
-      </p:nvGrpSpPr>
-      <p:grpSpPr>
-        <a:xfrm>
-          <a:off x="0" y="0"/>
-          <a:ext cx="0" cy="0"/>
-          <a:chOff x="0" y="0"/>
-          <a:chExt cx="0" cy="0"/>
-        </a:xfrm>
-      </p:grpSpPr>
-      <p:sp>
-        <p:nvSpPr>
-          <p:cNvPr id="2" name="Title 1">
-            <a:extLst>
-              <a:ext uri="{FF2B5EF4-FFF2-40B4-BE49-F238E27FC236}">
-                <a16:creationId xmlns:a16="http://schemas.microsoft.com/office/drawing/2014/main" id="{2CB4D3D5-8ACE-DC4E-BA18-60479B5EA904}"/>
-              </a:ext>
-            </a:extLst>
-          </p:cNvPr>
-          <p:cNvSpPr>
-            <a:spLocks noGrp="1"/>
-          </p:cNvSpPr>
-          <p:nvPr>
-            <p:ph type="title"/>
-          </p:nvPr>
-        </p:nvSpPr>
-        <p:spPr/>
-        <p:txBody>
-          <a:bodyPr/>
-          <a:lstStyle/>
-          <a:p>
-            <a:r>
-              <a:rPr lang="en-US" dirty="0"/>
-              <a:t>Construct a Model</a:t>
-            </a:r>
-          </a:p>
-        </p:txBody>
-      </p:sp>
-      <p:pic>
-        <p:nvPicPr>
-          <p:cNvPr id="8" name="Content Placeholder 7">
-            <a:extLst>
-              <a:ext uri="{FF2B5EF4-FFF2-40B4-BE49-F238E27FC236}">
-                <a16:creationId xmlns:a16="http://schemas.microsoft.com/office/drawing/2014/main" id="{A37167DA-099A-B648-820B-85C9C08120B4}"/>
-              </a:ext>
-            </a:extLst>
-          </p:cNvPr>
-          <p:cNvPicPr>
-            <a:picLocks noGrp="1" noChangeAspect="1"/>
-          </p:cNvPicPr>
-          <p:nvPr>
-            <p:ph idx="1"/>
-          </p:nvPr>
-        </p:nvPicPr>
-        <p:blipFill>
-          <a:blip r:embed="rId2"/>
-          <a:stretch>
-            <a:fillRect/>
-          </a:stretch>
-        </p:blipFill>
-        <p:spPr>
-          <a:xfrm>
-            <a:off x="1828800" y="1447800"/>
-            <a:ext cx="4061421" cy="2667000"/>
-          </a:xfrm>
-        </p:spPr>
-      </p:pic>
-      <p:sp>
-        <p:nvSpPr>
-          <p:cNvPr id="4" name="Slide Number Placeholder 3">
-            <a:extLst>
-              <a:ext uri="{FF2B5EF4-FFF2-40B4-BE49-F238E27FC236}">
-                <a16:creationId xmlns:a16="http://schemas.microsoft.com/office/drawing/2014/main" id="{35AE887F-EC44-6641-8444-DACACB45E744}"/>
-              </a:ext>
-            </a:extLst>
-          </p:cNvPr>
-          <p:cNvSpPr>
-            <a:spLocks noGrp="1"/>
-          </p:cNvSpPr>
-          <p:nvPr>
-            <p:ph type="sldNum" sz="quarter" idx="11"/>
-          </p:nvPr>
-        </p:nvSpPr>
-        <p:spPr/>
-        <p:txBody>
-          <a:bodyPr/>
-          <a:lstStyle/>
-          <a:p>
-            <a:pPr>
-              <a:defRPr/>
-            </a:pPr>
-            <a:fld id="{3EF4E9CC-9D91-476E-91FD-5BEEC1642931}" type="slidenum">
-              <a:rPr lang="en-US" altLang="x-none" smtClean="0"/>
-              <a:pPr>
-                <a:defRPr/>
-              </a:pPr>
-              <a:t>8</a:t>
-            </a:fld>
-            <a:endParaRPr lang="en-US" altLang="x-none"/>
-          </a:p>
-        </p:txBody>
-      </p:sp>
-      <p:sp>
-        <p:nvSpPr>
-          <p:cNvPr id="9" name="Oval 8">
-            <a:extLst>
-              <a:ext uri="{FF2B5EF4-FFF2-40B4-BE49-F238E27FC236}">
-                <a16:creationId xmlns:a16="http://schemas.microsoft.com/office/drawing/2014/main" id="{49C948B0-43FD-0347-94C9-40CB7571434A}"/>
-              </a:ext>
-            </a:extLst>
-          </p:cNvPr>
-          <p:cNvSpPr/>
-          <p:nvPr/>
-        </p:nvSpPr>
-        <p:spPr>
-          <a:xfrm>
-            <a:off x="3581400" y="1676400"/>
-            <a:ext cx="228600" cy="228600"/>
-          </a:xfrm>
-          <a:prstGeom prst="ellipse">
-            <a:avLst/>
-          </a:prstGeom>
-          <a:solidFill>
-            <a:srgbClr val="FF0000"/>
-          </a:solidFill>
-        </p:spPr>
-        <p:style>
-          <a:lnRef idx="1">
-            <a:schemeClr val="accent1"/>
-          </a:lnRef>
-          <a:fillRef idx="3">
-            <a:schemeClr val="accent1"/>
-          </a:fillRef>
-          <a:effectRef idx="2">
-            <a:schemeClr val="accent1"/>
-          </a:effectRef>
-          <a:fontRef idx="minor">
-            <a:schemeClr val="lt1"/>
-          </a:fontRef>
-        </p:style>
-        <p:txBody>
-          <a:bodyPr rtlCol="0" anchor="ctr"/>
-          <a:lstStyle/>
-          <a:p>
-            <a:pPr algn="ctr"/>
-            <a:endParaRPr lang="en-US"/>
-          </a:p>
-        </p:txBody>
-      </p:sp>
-      <p:sp>
-        <p:nvSpPr>
-          <p:cNvPr id="10" name="Oval 9">
-            <a:extLst>
-              <a:ext uri="{FF2B5EF4-FFF2-40B4-BE49-F238E27FC236}">
-                <a16:creationId xmlns:a16="http://schemas.microsoft.com/office/drawing/2014/main" id="{5DDB6AD3-BA8E-C34D-969B-1F0537141014}"/>
-              </a:ext>
-            </a:extLst>
-          </p:cNvPr>
-          <p:cNvSpPr/>
-          <p:nvPr/>
-        </p:nvSpPr>
-        <p:spPr>
-          <a:xfrm>
-            <a:off x="5257800" y="1828800"/>
-            <a:ext cx="228600" cy="228600"/>
-          </a:xfrm>
-          <a:prstGeom prst="ellipse">
-            <a:avLst/>
-          </a:prstGeom>
-          <a:solidFill>
-            <a:srgbClr val="FF0000"/>
-          </a:solidFill>
-        </p:spPr>
-        <p:style>
-          <a:lnRef idx="1">
-            <a:schemeClr val="accent1"/>
-          </a:lnRef>
-          <a:fillRef idx="3">
-            <a:schemeClr val="accent1"/>
-          </a:fillRef>
-          <a:effectRef idx="2">
-            <a:schemeClr val="accent1"/>
-          </a:effectRef>
-          <a:fontRef idx="minor">
-            <a:schemeClr val="lt1"/>
-          </a:fontRef>
-        </p:style>
-        <p:txBody>
-          <a:bodyPr rtlCol="0" anchor="ctr"/>
-          <a:lstStyle/>
-          <a:p>
-            <a:pPr algn="ctr"/>
-            <a:endParaRPr lang="en-US"/>
-          </a:p>
-        </p:txBody>
-      </p:sp>
-      <p:sp>
-        <p:nvSpPr>
-          <p:cNvPr id="11" name="TextBox 10">
-            <a:extLst>
-              <a:ext uri="{FF2B5EF4-FFF2-40B4-BE49-F238E27FC236}">
-                <a16:creationId xmlns:a16="http://schemas.microsoft.com/office/drawing/2014/main" id="{FE896B62-B846-6049-8184-A511D5BB5403}"/>
-              </a:ext>
-            </a:extLst>
-          </p:cNvPr>
-          <p:cNvSpPr txBox="1"/>
-          <p:nvPr/>
-        </p:nvSpPr>
-        <p:spPr>
-          <a:xfrm>
-            <a:off x="1461194" y="4807803"/>
-            <a:ext cx="4406206" cy="830997"/>
-          </a:xfrm>
-          <a:prstGeom prst="rect">
-            <a:avLst/>
-          </a:prstGeom>
-          <a:noFill/>
-        </p:spPr>
-        <p:txBody>
-          <a:bodyPr wrap="none" rtlCol="0">
-            <a:spAutoFit/>
-          </a:bodyPr>
-          <a:lstStyle/>
-          <a:p>
-            <a:r>
-              <a:rPr lang="en-US" sz="2400" dirty="0"/>
-              <a:t>Pick values of </a:t>
-            </a:r>
-            <a:r>
-              <a:rPr lang="en-US" sz="2400" i="1" dirty="0"/>
-              <a:t>K</a:t>
-            </a:r>
-            <a:r>
-              <a:rPr lang="en-US" sz="2400" dirty="0"/>
-              <a:t>’s as indicated.</a:t>
-            </a:r>
-          </a:p>
-          <a:p>
-            <a:r>
-              <a:rPr lang="en-US" sz="2400" dirty="0"/>
-              <a:t>MAPKK = 100nM, M=500nM</a:t>
-            </a:r>
-          </a:p>
-        </p:txBody>
-      </p:sp>
-    </p:spTree>
-    <p:extLst>
-      <p:ext uri="{BB962C8B-B14F-4D97-AF65-F5344CB8AC3E}">
-        <p14:creationId xmlns:p14="http://schemas.microsoft.com/office/powerpoint/2010/main" val="240081563"/>
-      </p:ext>
-    </p:extLst>
-  </p:cSld>
-  <p:clrMapOvr>
-    <a:masterClrMapping/>
-  </p:clrMapOvr>
-</p:sld>
-</file>
-
-<file path=ppt/slides/slide9.xml><?xml version="1.0" encoding="utf-8"?>
-<p:sld xmlns:a="http://schemas.openxmlformats.org/drawingml/2006/main" xmlns:r="http://schemas.openxmlformats.org/officeDocument/2006/relationships" xmlns:p="http://schemas.openxmlformats.org/presentationml/2006/main">
-  <p:cSld>
-    <p:spTree>
-      <p:nvGrpSpPr>
-        <p:cNvPr id="1" name=""/>
-        <p:cNvGrpSpPr/>
-        <p:nvPr/>
-      </p:nvGrpSpPr>
-      <p:grpSpPr>
-        <a:xfrm>
-          <a:off x="0" y="0"/>
-          <a:ext cx="0" cy="0"/>
-          <a:chOff x="0" y="0"/>
-          <a:chExt cx="0" cy="0"/>
-        </a:xfrm>
-      </p:grpSpPr>
-      <p:sp>
-        <p:nvSpPr>
-          <p:cNvPr id="2" name="Title 1">
-            <a:extLst>
-              <a:ext uri="{FF2B5EF4-FFF2-40B4-BE49-F238E27FC236}">
-                <a16:creationId xmlns:a16="http://schemas.microsoft.com/office/drawing/2014/main" id="{2CB4D3D5-8ACE-DC4E-BA18-60479B5EA904}"/>
-              </a:ext>
-            </a:extLst>
-          </p:cNvPr>
-          <p:cNvSpPr>
-            <a:spLocks noGrp="1"/>
-          </p:cNvSpPr>
-          <p:nvPr>
-            <p:ph type="title"/>
-          </p:nvPr>
-        </p:nvSpPr>
-        <p:spPr/>
-        <p:txBody>
-          <a:bodyPr/>
-          <a:lstStyle/>
-          <a:p>
-            <a:r>
-              <a:rPr lang="en-US" dirty="0"/>
-              <a:t>Questions</a:t>
-            </a:r>
-          </a:p>
-        </p:txBody>
-      </p:sp>
-      <p:sp>
-        <p:nvSpPr>
-          <p:cNvPr id="4" name="Slide Number Placeholder 3">
-            <a:extLst>
-              <a:ext uri="{FF2B5EF4-FFF2-40B4-BE49-F238E27FC236}">
-                <a16:creationId xmlns:a16="http://schemas.microsoft.com/office/drawing/2014/main" id="{35AE887F-EC44-6641-8444-DACACB45E744}"/>
-              </a:ext>
-            </a:extLst>
-          </p:cNvPr>
-          <p:cNvSpPr>
-            <a:spLocks noGrp="1"/>
-          </p:cNvSpPr>
-          <p:nvPr>
-            <p:ph type="sldNum" sz="quarter" idx="11"/>
-          </p:nvPr>
-        </p:nvSpPr>
-        <p:spPr/>
-        <p:txBody>
-          <a:bodyPr/>
-          <a:lstStyle/>
-          <a:p>
-            <a:pPr>
-              <a:defRPr/>
-            </a:pPr>
-            <a:fld id="{3EF4E9CC-9D91-476E-91FD-5BEEC1642931}" type="slidenum">
-              <a:rPr lang="en-US" altLang="x-none" smtClean="0"/>
-              <a:pPr>
-                <a:defRPr/>
-              </a:pPr>
-              <a:t>9</a:t>
-            </a:fld>
-            <a:endParaRPr lang="en-US" altLang="x-none"/>
-          </a:p>
-        </p:txBody>
-      </p:sp>
-      <p:sp>
-        <p:nvSpPr>
-          <p:cNvPr id="5" name="Content Placeholder 4">
-            <a:extLst>
-              <a:ext uri="{FF2B5EF4-FFF2-40B4-BE49-F238E27FC236}">
-                <a16:creationId xmlns:a16="http://schemas.microsoft.com/office/drawing/2014/main" id="{9D4FCA6E-472F-6549-9ADB-3188B10CE7DF}"/>
-              </a:ext>
-            </a:extLst>
-          </p:cNvPr>
-          <p:cNvSpPr>
-            <a:spLocks noGrp="1"/>
-          </p:cNvSpPr>
-          <p:nvPr>
-            <p:ph idx="1"/>
-          </p:nvPr>
-        </p:nvSpPr>
-        <p:spPr>
-          <a:xfrm>
-            <a:off x="457200" y="1447800"/>
-            <a:ext cx="8229600" cy="3886200"/>
-          </a:xfrm>
-        </p:spPr>
-        <p:txBody>
-          <a:bodyPr/>
-          <a:lstStyle/>
-          <a:p>
-            <a:r>
-              <a:rPr lang="en-US" dirty="0"/>
-              <a:t>What simulation run length is needed to see dynamics?</a:t>
-            </a:r>
-          </a:p>
-          <a:p>
-            <a:r>
-              <a:rPr lang="en-US" dirty="0"/>
-              <a:t>What dynamics are observed?</a:t>
-            </a:r>
-          </a:p>
-        </p:txBody>
-      </p:sp>
-    </p:spTree>
-    <p:extLst>
-      <p:ext uri="{BB962C8B-B14F-4D97-AF65-F5344CB8AC3E}">
-        <p14:creationId xmlns:p14="http://schemas.microsoft.com/office/powerpoint/2010/main" val="3032187087"/>
       </p:ext>
     </p:extLst>
   </p:cSld>
